--- a/revised-ppts/Day 11 PPT.pptx
+++ b/revised-ppts/Day 11 PPT.pptx
@@ -5,7 +5,7 @@
     <p:sldMasterId id="2147483661" r:id="rId1"/>
   </p:sldMasterIdLst>
   <p:notesMasterIdLst>
-    <p:notesMasterId r:id="rId28"/>
+    <p:notesMasterId r:id="rId27"/>
   </p:notesMasterIdLst>
   <p:sldIdLst>
     <p:sldId id="256" r:id="rId2"/>
@@ -32,8 +32,7 @@
     <p:sldId id="340" r:id="rId23"/>
     <p:sldId id="263" r:id="rId24"/>
     <p:sldId id="332" r:id="rId25"/>
-    <p:sldId id="341" r:id="rId26"/>
-    <p:sldId id="267" r:id="rId27"/>
+    <p:sldId id="267" r:id="rId26"/>
   </p:sldIdLst>
   <p:sldSz cx="9144000" cy="6858000" type="screen4x3"/>
   <p:notesSz cx="7010400" cy="9296400"/>
@@ -382,6 +381,7 @@
 <file path=ppt/revisionInfo.xml><?xml version="1.0" encoding="utf-8"?>
 <p1510:revInfo xmlns:a="http://schemas.openxmlformats.org/drawingml/2006/main" xmlns:r="http://schemas.openxmlformats.org/officeDocument/2006/relationships" xmlns:p1510="http://schemas.microsoft.com/office/powerpoint/2015/10/main">
   <p1510:revLst>
+    <p1510:client id="{B7CB7AB1-E29A-FA01-1C5C-599AA44E5AB6}" v="79" dt="2021-12-24T16:43:02.601"/>
     <p1510:client id="{F2043871-6BD3-4376-A7DE-8AC612830771}" v="1972" dt="2021-12-02T17:52:21.334"/>
   </p1510:revLst>
 </p1510:revInfo>
@@ -637,9 +637,274 @@
     </pc:docChg>
   </pc:docChgLst>
   <pc:docChgLst>
+    <pc:chgData name="Cynthia Enciso" userId="7915927f-c5cf-4e1f-876d-e79882ad52fa" providerId="ADAL" clId="{C3D73308-FFD7-45E1-81F5-A1260ECC4F06}"/>
+    <pc:docChg chg="undo custSel addSld modSld sldOrd">
+      <pc:chgData name="Cynthia Enciso" userId="7915927f-c5cf-4e1f-876d-e79882ad52fa" providerId="ADAL" clId="{C3D73308-FFD7-45E1-81F5-A1260ECC4F06}" dt="2021-06-09T22:02:22.092" v="347" actId="1076"/>
+      <pc:docMkLst>
+        <pc:docMk/>
+      </pc:docMkLst>
+      <pc:sldChg chg="delSp mod">
+        <pc:chgData name="Cynthia Enciso" userId="7915927f-c5cf-4e1f-876d-e79882ad52fa" providerId="ADAL" clId="{C3D73308-FFD7-45E1-81F5-A1260ECC4F06}" dt="2021-06-09T19:35:26.118" v="311" actId="478"/>
+        <pc:sldMkLst>
+          <pc:docMk/>
+          <pc:sldMk cId="1243035484" sldId="274"/>
+        </pc:sldMkLst>
+        <pc:spChg chg="del">
+          <ac:chgData name="Cynthia Enciso" userId="7915927f-c5cf-4e1f-876d-e79882ad52fa" providerId="ADAL" clId="{C3D73308-FFD7-45E1-81F5-A1260ECC4F06}" dt="2021-06-09T19:35:26.118" v="311" actId="478"/>
+          <ac:spMkLst>
+            <pc:docMk/>
+            <pc:sldMk cId="1243035484" sldId="274"/>
+            <ac:spMk id="6" creationId="{B1975862-343C-4181-B0AC-0DBD56BEBB7B}"/>
+          </ac:spMkLst>
+        </pc:spChg>
+      </pc:sldChg>
+      <pc:sldChg chg="delSp modSp mod">
+        <pc:chgData name="Cynthia Enciso" userId="7915927f-c5cf-4e1f-876d-e79882ad52fa" providerId="ADAL" clId="{C3D73308-FFD7-45E1-81F5-A1260ECC4F06}" dt="2021-06-09T21:21:36.925" v="335" actId="478"/>
+        <pc:sldMkLst>
+          <pc:docMk/>
+          <pc:sldMk cId="0" sldId="277"/>
+        </pc:sldMkLst>
+        <pc:spChg chg="del mod">
+          <ac:chgData name="Cynthia Enciso" userId="7915927f-c5cf-4e1f-876d-e79882ad52fa" providerId="ADAL" clId="{C3D73308-FFD7-45E1-81F5-A1260ECC4F06}" dt="2021-06-09T21:21:36.925" v="335" actId="478"/>
+          <ac:spMkLst>
+            <pc:docMk/>
+            <pc:sldMk cId="0" sldId="277"/>
+            <ac:spMk id="2" creationId="{203DDB9E-F7A5-4D39-977A-954AA7E1391D}"/>
+          </ac:spMkLst>
+        </pc:spChg>
+      </pc:sldChg>
+      <pc:sldChg chg="addSp delSp modSp add mod">
+        <pc:chgData name="Cynthia Enciso" userId="7915927f-c5cf-4e1f-876d-e79882ad52fa" providerId="ADAL" clId="{C3D73308-FFD7-45E1-81F5-A1260ECC4F06}" dt="2021-06-09T22:02:22.092" v="347" actId="1076"/>
+        <pc:sldMkLst>
+          <pc:docMk/>
+          <pc:sldMk cId="3383632281" sldId="287"/>
+        </pc:sldMkLst>
+        <pc:spChg chg="add mod">
+          <ac:chgData name="Cynthia Enciso" userId="7915927f-c5cf-4e1f-876d-e79882ad52fa" providerId="ADAL" clId="{C3D73308-FFD7-45E1-81F5-A1260ECC4F06}" dt="2021-06-09T19:11:47.408" v="178" actId="1076"/>
+          <ac:spMkLst>
+            <pc:docMk/>
+            <pc:sldMk cId="3383632281" sldId="287"/>
+            <ac:spMk id="4" creationId="{460ABEB1-4CC3-4B29-95F3-7F29D7B456CE}"/>
+          </ac:spMkLst>
+        </pc:spChg>
+        <pc:spChg chg="mod">
+          <ac:chgData name="Cynthia Enciso" userId="7915927f-c5cf-4e1f-876d-e79882ad52fa" providerId="ADAL" clId="{C3D73308-FFD7-45E1-81F5-A1260ECC4F06}" dt="2021-06-09T22:02:02.493" v="340" actId="1076"/>
+          <ac:spMkLst>
+            <pc:docMk/>
+            <pc:sldMk cId="3383632281" sldId="287"/>
+            <ac:spMk id="135" creationId="{9261B1F8-69FF-4DA5-BC97-418F24A21DD4}"/>
+          </ac:spMkLst>
+        </pc:spChg>
+        <pc:spChg chg="mod">
+          <ac:chgData name="Cynthia Enciso" userId="7915927f-c5cf-4e1f-876d-e79882ad52fa" providerId="ADAL" clId="{C3D73308-FFD7-45E1-81F5-A1260ECC4F06}" dt="2021-06-09T22:02:22.092" v="347" actId="1076"/>
+          <ac:spMkLst>
+            <pc:docMk/>
+            <pc:sldMk cId="3383632281" sldId="287"/>
+            <ac:spMk id="137" creationId="{78300C07-1F94-4AE5-9847-984EE9460710}"/>
+          </ac:spMkLst>
+        </pc:spChg>
+        <pc:spChg chg="add mod">
+          <ac:chgData name="Cynthia Enciso" userId="7915927f-c5cf-4e1f-876d-e79882ad52fa" providerId="ADAL" clId="{C3D73308-FFD7-45E1-81F5-A1260ECC4F06}" dt="2021-06-09T19:09:37.452" v="44" actId="571"/>
+          <ac:spMkLst>
+            <pc:docMk/>
+            <pc:sldMk cId="3383632281" sldId="287"/>
+            <ac:spMk id="139" creationId="{DD338A48-4F4B-43F3-8B45-2C3C234F43CC}"/>
+          </ac:spMkLst>
+        </pc:spChg>
+        <pc:spChg chg="add mod">
+          <ac:chgData name="Cynthia Enciso" userId="7915927f-c5cf-4e1f-876d-e79882ad52fa" providerId="ADAL" clId="{C3D73308-FFD7-45E1-81F5-A1260ECC4F06}" dt="2021-06-09T19:09:37.452" v="44" actId="571"/>
+          <ac:spMkLst>
+            <pc:docMk/>
+            <pc:sldMk cId="3383632281" sldId="287"/>
+            <ac:spMk id="140" creationId="{69E970E1-58F9-4A23-89AD-24C9F548ED8E}"/>
+          </ac:spMkLst>
+        </pc:spChg>
+        <pc:spChg chg="add mod">
+          <ac:chgData name="Cynthia Enciso" userId="7915927f-c5cf-4e1f-876d-e79882ad52fa" providerId="ADAL" clId="{C3D73308-FFD7-45E1-81F5-A1260ECC4F06}" dt="2021-06-09T22:02:17.781" v="345" actId="20577"/>
+          <ac:spMkLst>
+            <pc:docMk/>
+            <pc:sldMk cId="3383632281" sldId="287"/>
+            <ac:spMk id="141" creationId="{B10F42D0-6B85-4E43-85AC-3A145B08F3A0}"/>
+          </ac:spMkLst>
+        </pc:spChg>
+        <pc:spChg chg="add mod">
+          <ac:chgData name="Cynthia Enciso" userId="7915927f-c5cf-4e1f-876d-e79882ad52fa" providerId="ADAL" clId="{C3D73308-FFD7-45E1-81F5-A1260ECC4F06}" dt="2021-06-09T22:02:20.397" v="346" actId="1076"/>
+          <ac:spMkLst>
+            <pc:docMk/>
+            <pc:sldMk cId="3383632281" sldId="287"/>
+            <ac:spMk id="142" creationId="{130894A5-9186-4BB0-B1C1-18C0BFB3F578}"/>
+          </ac:spMkLst>
+        </pc:spChg>
+        <pc:cxnChg chg="add del mod">
+          <ac:chgData name="Cynthia Enciso" userId="7915927f-c5cf-4e1f-876d-e79882ad52fa" providerId="ADAL" clId="{C3D73308-FFD7-45E1-81F5-A1260ECC4F06}" dt="2021-06-09T19:11:52.370" v="180" actId="11529"/>
+          <ac:cxnSpMkLst>
+            <pc:docMk/>
+            <pc:sldMk cId="3383632281" sldId="287"/>
+            <ac:cxnSpMk id="55" creationId="{90460590-762E-4351-BB5E-0E365FE60029}"/>
+          </ac:cxnSpMkLst>
+        </pc:cxnChg>
+        <pc:cxnChg chg="add">
+          <ac:chgData name="Cynthia Enciso" userId="7915927f-c5cf-4e1f-876d-e79882ad52fa" providerId="ADAL" clId="{C3D73308-FFD7-45E1-81F5-A1260ECC4F06}" dt="2021-06-09T19:11:56.566" v="181" actId="11529"/>
+          <ac:cxnSpMkLst>
+            <pc:docMk/>
+            <pc:sldMk cId="3383632281" sldId="287"/>
+            <ac:cxnSpMk id="91" creationId="{CA0716C6-4B6A-4A57-8468-DAAA21DD7DCD}"/>
+          </ac:cxnSpMkLst>
+        </pc:cxnChg>
+      </pc:sldChg>
+      <pc:sldChg chg="modSp add mod">
+        <pc:chgData name="Cynthia Enciso" userId="7915927f-c5cf-4e1f-876d-e79882ad52fa" providerId="ADAL" clId="{C3D73308-FFD7-45E1-81F5-A1260ECC4F06}" dt="2021-06-09T22:00:48.085" v="339" actId="20577"/>
+        <pc:sldMkLst>
+          <pc:docMk/>
+          <pc:sldMk cId="505187759" sldId="291"/>
+        </pc:sldMkLst>
+        <pc:spChg chg="mod">
+          <ac:chgData name="Cynthia Enciso" userId="7915927f-c5cf-4e1f-876d-e79882ad52fa" providerId="ADAL" clId="{C3D73308-FFD7-45E1-81F5-A1260ECC4F06}" dt="2021-06-09T19:51:27.527" v="314" actId="1076"/>
+          <ac:spMkLst>
+            <pc:docMk/>
+            <pc:sldMk cId="505187759" sldId="291"/>
+            <ac:spMk id="3" creationId="{D069C4FA-EE11-4386-B33A-80667F137EA5}"/>
+          </ac:spMkLst>
+        </pc:spChg>
+        <pc:spChg chg="mod">
+          <ac:chgData name="Cynthia Enciso" userId="7915927f-c5cf-4e1f-876d-e79882ad52fa" providerId="ADAL" clId="{C3D73308-FFD7-45E1-81F5-A1260ECC4F06}" dt="2021-06-09T19:07:20.485" v="41" actId="20577"/>
+          <ac:spMkLst>
+            <pc:docMk/>
+            <pc:sldMk cId="505187759" sldId="291"/>
+            <ac:spMk id="12" creationId="{DAFD4DC9-E455-45A4-96A1-6710555C6BB7}"/>
+          </ac:spMkLst>
+        </pc:spChg>
+        <pc:spChg chg="mod">
+          <ac:chgData name="Cynthia Enciso" userId="7915927f-c5cf-4e1f-876d-e79882ad52fa" providerId="ADAL" clId="{C3D73308-FFD7-45E1-81F5-A1260ECC4F06}" dt="2021-06-09T22:00:48.085" v="339" actId="20577"/>
+          <ac:spMkLst>
+            <pc:docMk/>
+            <pc:sldMk cId="505187759" sldId="291"/>
+            <ac:spMk id="15" creationId="{9BBD0273-0D5C-4FF9-868F-82CEEAFB22B8}"/>
+          </ac:spMkLst>
+        </pc:spChg>
+      </pc:sldChg>
+      <pc:sldChg chg="modSp mod">
+        <pc:chgData name="Cynthia Enciso" userId="7915927f-c5cf-4e1f-876d-e79882ad52fa" providerId="ADAL" clId="{C3D73308-FFD7-45E1-81F5-A1260ECC4F06}" dt="2021-06-09T21:20:00.843" v="333" actId="20577"/>
+        <pc:sldMkLst>
+          <pc:docMk/>
+          <pc:sldMk cId="2717298435" sldId="330"/>
+        </pc:sldMkLst>
+        <pc:spChg chg="mod">
+          <ac:chgData name="Cynthia Enciso" userId="7915927f-c5cf-4e1f-876d-e79882ad52fa" providerId="ADAL" clId="{C3D73308-FFD7-45E1-81F5-A1260ECC4F06}" dt="2021-06-09T21:20:00.843" v="333" actId="20577"/>
+          <ac:spMkLst>
+            <pc:docMk/>
+            <pc:sldMk cId="2717298435" sldId="330"/>
+            <ac:spMk id="13" creationId="{E2065AD8-C4AA-4ECA-BAF4-B02E5863548D}"/>
+          </ac:spMkLst>
+        </pc:spChg>
+        <pc:spChg chg="mod">
+          <ac:chgData name="Cynthia Enciso" userId="7915927f-c5cf-4e1f-876d-e79882ad52fa" providerId="ADAL" clId="{C3D73308-FFD7-45E1-81F5-A1260ECC4F06}" dt="2021-06-09T21:19:56.428" v="323" actId="20577"/>
+          <ac:spMkLst>
+            <pc:docMk/>
+            <pc:sldMk cId="2717298435" sldId="330"/>
+            <ac:spMk id="16" creationId="{66A34F76-FB2B-438E-9B9C-70C73CCB7FB6}"/>
+          </ac:spMkLst>
+        </pc:spChg>
+      </pc:sldChg>
+      <pc:sldChg chg="modSp new mod">
+        <pc:chgData name="Cynthia Enciso" userId="7915927f-c5cf-4e1f-876d-e79882ad52fa" providerId="ADAL" clId="{C3D73308-FFD7-45E1-81F5-A1260ECC4F06}" dt="2021-06-09T19:05:20.970" v="39" actId="20577"/>
+        <pc:sldMkLst>
+          <pc:docMk/>
+          <pc:sldMk cId="2478938185" sldId="331"/>
+        </pc:sldMkLst>
+        <pc:spChg chg="mod">
+          <ac:chgData name="Cynthia Enciso" userId="7915927f-c5cf-4e1f-876d-e79882ad52fa" providerId="ADAL" clId="{C3D73308-FFD7-45E1-81F5-A1260ECC4F06}" dt="2021-06-09T19:05:04.058" v="5" actId="20577"/>
+          <ac:spMkLst>
+            <pc:docMk/>
+            <pc:sldMk cId="2478938185" sldId="331"/>
+            <ac:spMk id="2" creationId="{2E44175B-00B5-425E-B32A-F00EE1FAA8DB}"/>
+          </ac:spMkLst>
+        </pc:spChg>
+        <pc:spChg chg="mod">
+          <ac:chgData name="Cynthia Enciso" userId="7915927f-c5cf-4e1f-876d-e79882ad52fa" providerId="ADAL" clId="{C3D73308-FFD7-45E1-81F5-A1260ECC4F06}" dt="2021-06-09T19:05:20.970" v="39" actId="20577"/>
+          <ac:spMkLst>
+            <pc:docMk/>
+            <pc:sldMk cId="2478938185" sldId="331"/>
+            <ac:spMk id="3" creationId="{3F5DCA10-6620-4683-9249-D7B7CBA3CCEF}"/>
+          </ac:spMkLst>
+        </pc:spChg>
+      </pc:sldChg>
+      <pc:sldChg chg="modSp new mod ord">
+        <pc:chgData name="Cynthia Enciso" userId="7915927f-c5cf-4e1f-876d-e79882ad52fa" providerId="ADAL" clId="{C3D73308-FFD7-45E1-81F5-A1260ECC4F06}" dt="2021-06-09T19:27:53.349" v="310" actId="20577"/>
+        <pc:sldMkLst>
+          <pc:docMk/>
+          <pc:sldMk cId="2660441177" sldId="332"/>
+        </pc:sldMkLst>
+        <pc:spChg chg="mod">
+          <ac:chgData name="Cynthia Enciso" userId="7915927f-c5cf-4e1f-876d-e79882ad52fa" providerId="ADAL" clId="{C3D73308-FFD7-45E1-81F5-A1260ECC4F06}" dt="2021-06-09T19:27:17.956" v="189" actId="20577"/>
+          <ac:spMkLst>
+            <pc:docMk/>
+            <pc:sldMk cId="2660441177" sldId="332"/>
+            <ac:spMk id="2" creationId="{FEEC65E9-2BFF-42F0-816D-3D4A01280E7B}"/>
+          </ac:spMkLst>
+        </pc:spChg>
+        <pc:spChg chg="mod">
+          <ac:chgData name="Cynthia Enciso" userId="7915927f-c5cf-4e1f-876d-e79882ad52fa" providerId="ADAL" clId="{C3D73308-FFD7-45E1-81F5-A1260ECC4F06}" dt="2021-06-09T19:27:53.349" v="310" actId="20577"/>
+          <ac:spMkLst>
+            <pc:docMk/>
+            <pc:sldMk cId="2660441177" sldId="332"/>
+            <ac:spMk id="3" creationId="{08E2757C-4253-46FA-9DFD-5A1BE535ABEC}"/>
+          </ac:spMkLst>
+        </pc:spChg>
+      </pc:sldChg>
+    </pc:docChg>
+  </pc:docChgLst>
+  <pc:docChgLst>
+    <pc:chgData name="Joseph Highe" userId="S::joseph.highe@revature.com::955b9bf1-2fc3-425c-bb80-056211376f04" providerId="AD" clId="Web-{B7CB7AB1-E29A-FA01-1C5C-599AA44E5AB6}"/>
+    <pc:docChg chg="modSld">
+      <pc:chgData name="Joseph Highe" userId="S::joseph.highe@revature.com::955b9bf1-2fc3-425c-bb80-056211376f04" providerId="AD" clId="Web-{B7CB7AB1-E29A-FA01-1C5C-599AA44E5AB6}" dt="2021-12-24T16:43:02.601" v="79" actId="20577"/>
+      <pc:docMkLst>
+        <pc:docMk/>
+      </pc:docMkLst>
+      <pc:sldChg chg="modSp">
+        <pc:chgData name="Joseph Highe" userId="S::joseph.highe@revature.com::955b9bf1-2fc3-425c-bb80-056211376f04" providerId="AD" clId="Web-{B7CB7AB1-E29A-FA01-1C5C-599AA44E5AB6}" dt="2021-12-24T16:41:50.131" v="1" actId="1076"/>
+        <pc:sldMkLst>
+          <pc:docMk/>
+          <pc:sldMk cId="3301644510" sldId="281"/>
+        </pc:sldMkLst>
+        <pc:spChg chg="mod">
+          <ac:chgData name="Joseph Highe" userId="S::joseph.highe@revature.com::955b9bf1-2fc3-425c-bb80-056211376f04" providerId="AD" clId="Web-{B7CB7AB1-E29A-FA01-1C5C-599AA44E5AB6}" dt="2021-12-24T16:41:47.803" v="0" actId="1076"/>
+          <ac:spMkLst>
+            <pc:docMk/>
+            <pc:sldMk cId="3301644510" sldId="281"/>
+            <ac:spMk id="3" creationId="{503D1FF6-ED54-4FC9-90DA-AC0BA4E85036}"/>
+          </ac:spMkLst>
+        </pc:spChg>
+        <pc:spChg chg="mod">
+          <ac:chgData name="Joseph Highe" userId="S::joseph.highe@revature.com::955b9bf1-2fc3-425c-bb80-056211376f04" providerId="AD" clId="Web-{B7CB7AB1-E29A-FA01-1C5C-599AA44E5AB6}" dt="2021-12-24T16:41:50.131" v="1" actId="1076"/>
+          <ac:spMkLst>
+            <pc:docMk/>
+            <pc:sldMk cId="3301644510" sldId="281"/>
+            <ac:spMk id="5" creationId="{0FD72F5F-CC8A-4985-A412-6CA1D47935E6}"/>
+          </ac:spMkLst>
+        </pc:spChg>
+      </pc:sldChg>
+      <pc:sldChg chg="modSp">
+        <pc:chgData name="Joseph Highe" userId="S::joseph.highe@revature.com::955b9bf1-2fc3-425c-bb80-056211376f04" providerId="AD" clId="Web-{B7CB7AB1-E29A-FA01-1C5C-599AA44E5AB6}" dt="2021-12-24T16:43:02.601" v="79" actId="20577"/>
+        <pc:sldMkLst>
+          <pc:docMk/>
+          <pc:sldMk cId="284773458" sldId="327"/>
+        </pc:sldMkLst>
+        <pc:spChg chg="mod">
+          <ac:chgData name="Joseph Highe" userId="S::joseph.highe@revature.com::955b9bf1-2fc3-425c-bb80-056211376f04" providerId="AD" clId="Web-{B7CB7AB1-E29A-FA01-1C5C-599AA44E5AB6}" dt="2021-12-24T16:43:02.601" v="79" actId="20577"/>
+          <ac:spMkLst>
+            <pc:docMk/>
+            <pc:sldMk cId="284773458" sldId="327"/>
+            <ac:spMk id="3" creationId="{3BBC2A58-D8BE-4ACE-BAA3-A38162AF215C}"/>
+          </ac:spMkLst>
+        </pc:spChg>
+      </pc:sldChg>
+    </pc:docChg>
+  </pc:docChgLst>
+  <pc:docChgLst>
     <pc:chgData name="Cynthia Enciso" userId="7915927f-c5cf-4e1f-876d-e79882ad52fa" providerId="ADAL" clId="{F2043871-6BD3-4376-A7DE-8AC612830771}"/>
     <pc:docChg chg="undo custSel addSld delSld modSld sldOrd">
-      <pc:chgData name="Cynthia Enciso" userId="7915927f-c5cf-4e1f-876d-e79882ad52fa" providerId="ADAL" clId="{F2043871-6BD3-4376-A7DE-8AC612830771}" dt="2021-12-02T18:15:45.476" v="6337" actId="20577"/>
+      <pc:chgData name="Cynthia Enciso" userId="7915927f-c5cf-4e1f-876d-e79882ad52fa" providerId="ADAL" clId="{F2043871-6BD3-4376-A7DE-8AC612830771}" dt="2021-12-06T23:28:39.460" v="6563" actId="20577"/>
       <pc:docMkLst>
         <pc:docMk/>
       </pc:docMkLst>
@@ -935,13 +1200,13 @@
         </pc:cxnChg>
       </pc:sldChg>
       <pc:sldChg chg="addSp delSp modSp mod delAnim chgLayout">
-        <pc:chgData name="Cynthia Enciso" userId="7915927f-c5cf-4e1f-876d-e79882ad52fa" providerId="ADAL" clId="{F2043871-6BD3-4376-A7DE-8AC612830771}" dt="2021-12-02T16:55:12.014" v="2417" actId="255"/>
+        <pc:chgData name="Cynthia Enciso" userId="7915927f-c5cf-4e1f-876d-e79882ad52fa" providerId="ADAL" clId="{F2043871-6BD3-4376-A7DE-8AC612830771}" dt="2021-12-06T16:46:42.140" v="6342" actId="478"/>
         <pc:sldMkLst>
           <pc:docMk/>
           <pc:sldMk cId="0" sldId="277"/>
         </pc:sldMkLst>
         <pc:spChg chg="add mod ord">
-          <ac:chgData name="Cynthia Enciso" userId="7915927f-c5cf-4e1f-876d-e79882ad52fa" providerId="ADAL" clId="{F2043871-6BD3-4376-A7DE-8AC612830771}" dt="2021-12-02T16:55:12.014" v="2417" actId="255"/>
+          <ac:chgData name="Cynthia Enciso" userId="7915927f-c5cf-4e1f-876d-e79882ad52fa" providerId="ADAL" clId="{F2043871-6BD3-4376-A7DE-8AC612830771}" dt="2021-12-06T16:46:39.887" v="6341" actId="14100"/>
           <ac:spMkLst>
             <pc:docMk/>
             <pc:sldMk cId="0" sldId="277"/>
@@ -956,8 +1221,8 @@
             <ac:spMk id="7" creationId="{9338798A-3AA4-4ABB-A7D4-C0197E8961E3}"/>
           </ac:spMkLst>
         </pc:spChg>
-        <pc:spChg chg="add mod">
-          <ac:chgData name="Cynthia Enciso" userId="7915927f-c5cf-4e1f-876d-e79882ad52fa" providerId="ADAL" clId="{F2043871-6BD3-4376-A7DE-8AC612830771}" dt="2021-12-02T16:52:29.185" v="2072" actId="1076"/>
+        <pc:spChg chg="add del mod">
+          <ac:chgData name="Cynthia Enciso" userId="7915927f-c5cf-4e1f-876d-e79882ad52fa" providerId="ADAL" clId="{F2043871-6BD3-4376-A7DE-8AC612830771}" dt="2021-12-06T16:46:42.140" v="6342" actId="478"/>
           <ac:spMkLst>
             <pc:docMk/>
             <pc:sldMk cId="0" sldId="277"/>
@@ -1269,7 +1534,7 @@
         </pc:spChg>
       </pc:sldChg>
       <pc:sldChg chg="modSp add mod ord">
-        <pc:chgData name="Cynthia Enciso" userId="7915927f-c5cf-4e1f-876d-e79882ad52fa" providerId="ADAL" clId="{F2043871-6BD3-4376-A7DE-8AC612830771}" dt="2021-12-02T18:15:45.476" v="6337" actId="20577"/>
+        <pc:chgData name="Cynthia Enciso" userId="7915927f-c5cf-4e1f-876d-e79882ad52fa" providerId="ADAL" clId="{F2043871-6BD3-4376-A7DE-8AC612830771}" dt="2021-12-06T23:02:48.396" v="6454" actId="20577"/>
         <pc:sldMkLst>
           <pc:docMk/>
           <pc:sldMk cId="3765466156" sldId="332"/>
@@ -1283,7 +1548,7 @@
           </ac:spMkLst>
         </pc:spChg>
         <pc:spChg chg="mod">
-          <ac:chgData name="Cynthia Enciso" userId="7915927f-c5cf-4e1f-876d-e79882ad52fa" providerId="ADAL" clId="{F2043871-6BD3-4376-A7DE-8AC612830771}" dt="2021-12-02T18:15:45.476" v="6337" actId="20577"/>
+          <ac:chgData name="Cynthia Enciso" userId="7915927f-c5cf-4e1f-876d-e79882ad52fa" providerId="ADAL" clId="{F2043871-6BD3-4376-A7DE-8AC612830771}" dt="2021-12-06T23:02:48.396" v="6454" actId="20577"/>
           <ac:spMkLst>
             <pc:docMk/>
             <pc:sldMk cId="3765466156" sldId="332"/>
@@ -1477,7 +1742,7 @@
         </pc:spChg>
       </pc:sldChg>
       <pc:sldChg chg="addSp delSp modSp new mod">
-        <pc:chgData name="Cynthia Enciso" userId="7915927f-c5cf-4e1f-876d-e79882ad52fa" providerId="ADAL" clId="{F2043871-6BD3-4376-A7DE-8AC612830771}" dt="2021-12-02T17:52:52.584" v="5497" actId="21"/>
+        <pc:chgData name="Cynthia Enciso" userId="7915927f-c5cf-4e1f-876d-e79882ad52fa" providerId="ADAL" clId="{F2043871-6BD3-4376-A7DE-8AC612830771}" dt="2021-12-06T23:28:39.460" v="6563" actId="20577"/>
         <pc:sldMkLst>
           <pc:docMk/>
           <pc:sldMk cId="341822385" sldId="340"/>
@@ -1491,7 +1756,7 @@
           </ac:spMkLst>
         </pc:spChg>
         <pc:spChg chg="mod">
-          <ac:chgData name="Cynthia Enciso" userId="7915927f-c5cf-4e1f-876d-e79882ad52fa" providerId="ADAL" clId="{F2043871-6BD3-4376-A7DE-8AC612830771}" dt="2021-12-02T17:52:52.584" v="5497" actId="21"/>
+          <ac:chgData name="Cynthia Enciso" userId="7915927f-c5cf-4e1f-876d-e79882ad52fa" providerId="ADAL" clId="{F2043871-6BD3-4376-A7DE-8AC612830771}" dt="2021-12-06T23:28:06.645" v="6513" actId="14100"/>
           <ac:spMkLst>
             <pc:docMk/>
             <pc:sldMk cId="341822385" sldId="340"/>
@@ -1499,7 +1764,7 @@
           </ac:spMkLst>
         </pc:spChg>
         <pc:spChg chg="add mod">
-          <ac:chgData name="Cynthia Enciso" userId="7915927f-c5cf-4e1f-876d-e79882ad52fa" providerId="ADAL" clId="{F2043871-6BD3-4376-A7DE-8AC612830771}" dt="2021-12-02T17:51:57.212" v="5443" actId="1076"/>
+          <ac:chgData name="Cynthia Enciso" userId="7915927f-c5cf-4e1f-876d-e79882ad52fa" providerId="ADAL" clId="{F2043871-6BD3-4376-A7DE-8AC612830771}" dt="2021-12-06T23:28:37.183" v="6561" actId="20577"/>
           <ac:spMkLst>
             <pc:docMk/>
             <pc:sldMk cId="341822385" sldId="340"/>
@@ -1515,7 +1780,7 @@
           </ac:spMkLst>
         </pc:spChg>
         <pc:spChg chg="add mod">
-          <ac:chgData name="Cynthia Enciso" userId="7915927f-c5cf-4e1f-876d-e79882ad52fa" providerId="ADAL" clId="{F2043871-6BD3-4376-A7DE-8AC612830771}" dt="2021-12-02T17:51:54.868" v="5442" actId="1076"/>
+          <ac:chgData name="Cynthia Enciso" userId="7915927f-c5cf-4e1f-876d-e79882ad52fa" providerId="ADAL" clId="{F2043871-6BD3-4376-A7DE-8AC612830771}" dt="2021-12-06T23:28:38.234" v="6562" actId="20577"/>
           <ac:spMkLst>
             <pc:docMk/>
             <pc:sldMk cId="341822385" sldId="340"/>
@@ -1523,7 +1788,7 @@
           </ac:spMkLst>
         </pc:spChg>
         <pc:spChg chg="add mod">
-          <ac:chgData name="Cynthia Enciso" userId="7915927f-c5cf-4e1f-876d-e79882ad52fa" providerId="ADAL" clId="{F2043871-6BD3-4376-A7DE-8AC612830771}" dt="2021-12-02T17:51:54.868" v="5442" actId="1076"/>
+          <ac:chgData name="Cynthia Enciso" userId="7915927f-c5cf-4e1f-876d-e79882ad52fa" providerId="ADAL" clId="{F2043871-6BD3-4376-A7DE-8AC612830771}" dt="2021-12-06T23:28:39.460" v="6563" actId="20577"/>
           <ac:spMkLst>
             <pc:docMk/>
             <pc:sldMk cId="341822385" sldId="340"/>
@@ -1556,7 +1821,7 @@
         </pc:spChg>
       </pc:sldChg>
       <pc:sldChg chg="modSp new mod">
-        <pc:chgData name="Cynthia Enciso" userId="7915927f-c5cf-4e1f-876d-e79882ad52fa" providerId="ADAL" clId="{F2043871-6BD3-4376-A7DE-8AC612830771}" dt="2021-12-02T17:49:04.977" v="5316" actId="20577"/>
+        <pc:chgData name="Cynthia Enciso" userId="7915927f-c5cf-4e1f-876d-e79882ad52fa" providerId="ADAL" clId="{F2043871-6BD3-4376-A7DE-8AC612830771}" dt="2021-12-06T21:49:02.505" v="6415" actId="20577"/>
         <pc:sldMkLst>
           <pc:docMk/>
           <pc:sldMk cId="1371311991" sldId="341"/>
@@ -1570,7 +1835,7 @@
           </ac:spMkLst>
         </pc:spChg>
         <pc:spChg chg="mod">
-          <ac:chgData name="Cynthia Enciso" userId="7915927f-c5cf-4e1f-876d-e79882ad52fa" providerId="ADAL" clId="{F2043871-6BD3-4376-A7DE-8AC612830771}" dt="2021-12-02T17:49:04.977" v="5316" actId="20577"/>
+          <ac:chgData name="Cynthia Enciso" userId="7915927f-c5cf-4e1f-876d-e79882ad52fa" providerId="ADAL" clId="{F2043871-6BD3-4376-A7DE-8AC612830771}" dt="2021-12-06T21:49:02.505" v="6415" actId="20577"/>
           <ac:spMkLst>
             <pc:docMk/>
             <pc:sldMk cId="1371311991" sldId="341"/>
@@ -1767,224 +2032,6 @@
           <pc:docMk/>
           <pc:sldMk cId="2660441177" sldId="332"/>
         </pc:sldMkLst>
-      </pc:sldChg>
-    </pc:docChg>
-  </pc:docChgLst>
-  <pc:docChgLst>
-    <pc:chgData name="Cynthia Enciso" userId="7915927f-c5cf-4e1f-876d-e79882ad52fa" providerId="ADAL" clId="{C3D73308-FFD7-45E1-81F5-A1260ECC4F06}"/>
-    <pc:docChg chg="undo custSel addSld modSld sldOrd">
-      <pc:chgData name="Cynthia Enciso" userId="7915927f-c5cf-4e1f-876d-e79882ad52fa" providerId="ADAL" clId="{C3D73308-FFD7-45E1-81F5-A1260ECC4F06}" dt="2021-06-09T22:02:22.092" v="347" actId="1076"/>
-      <pc:docMkLst>
-        <pc:docMk/>
-      </pc:docMkLst>
-      <pc:sldChg chg="delSp mod">
-        <pc:chgData name="Cynthia Enciso" userId="7915927f-c5cf-4e1f-876d-e79882ad52fa" providerId="ADAL" clId="{C3D73308-FFD7-45E1-81F5-A1260ECC4F06}" dt="2021-06-09T19:35:26.118" v="311" actId="478"/>
-        <pc:sldMkLst>
-          <pc:docMk/>
-          <pc:sldMk cId="1243035484" sldId="274"/>
-        </pc:sldMkLst>
-        <pc:spChg chg="del">
-          <ac:chgData name="Cynthia Enciso" userId="7915927f-c5cf-4e1f-876d-e79882ad52fa" providerId="ADAL" clId="{C3D73308-FFD7-45E1-81F5-A1260ECC4F06}" dt="2021-06-09T19:35:26.118" v="311" actId="478"/>
-          <ac:spMkLst>
-            <pc:docMk/>
-            <pc:sldMk cId="1243035484" sldId="274"/>
-            <ac:spMk id="6" creationId="{B1975862-343C-4181-B0AC-0DBD56BEBB7B}"/>
-          </ac:spMkLst>
-        </pc:spChg>
-      </pc:sldChg>
-      <pc:sldChg chg="delSp modSp mod">
-        <pc:chgData name="Cynthia Enciso" userId="7915927f-c5cf-4e1f-876d-e79882ad52fa" providerId="ADAL" clId="{C3D73308-FFD7-45E1-81F5-A1260ECC4F06}" dt="2021-06-09T21:21:36.925" v="335" actId="478"/>
-        <pc:sldMkLst>
-          <pc:docMk/>
-          <pc:sldMk cId="0" sldId="277"/>
-        </pc:sldMkLst>
-        <pc:spChg chg="del mod">
-          <ac:chgData name="Cynthia Enciso" userId="7915927f-c5cf-4e1f-876d-e79882ad52fa" providerId="ADAL" clId="{C3D73308-FFD7-45E1-81F5-A1260ECC4F06}" dt="2021-06-09T21:21:36.925" v="335" actId="478"/>
-          <ac:spMkLst>
-            <pc:docMk/>
-            <pc:sldMk cId="0" sldId="277"/>
-            <ac:spMk id="2" creationId="{203DDB9E-F7A5-4D39-977A-954AA7E1391D}"/>
-          </ac:spMkLst>
-        </pc:spChg>
-      </pc:sldChg>
-      <pc:sldChg chg="addSp delSp modSp add mod">
-        <pc:chgData name="Cynthia Enciso" userId="7915927f-c5cf-4e1f-876d-e79882ad52fa" providerId="ADAL" clId="{C3D73308-FFD7-45E1-81F5-A1260ECC4F06}" dt="2021-06-09T22:02:22.092" v="347" actId="1076"/>
-        <pc:sldMkLst>
-          <pc:docMk/>
-          <pc:sldMk cId="3383632281" sldId="287"/>
-        </pc:sldMkLst>
-        <pc:spChg chg="add mod">
-          <ac:chgData name="Cynthia Enciso" userId="7915927f-c5cf-4e1f-876d-e79882ad52fa" providerId="ADAL" clId="{C3D73308-FFD7-45E1-81F5-A1260ECC4F06}" dt="2021-06-09T19:11:47.408" v="178" actId="1076"/>
-          <ac:spMkLst>
-            <pc:docMk/>
-            <pc:sldMk cId="3383632281" sldId="287"/>
-            <ac:spMk id="4" creationId="{460ABEB1-4CC3-4B29-95F3-7F29D7B456CE}"/>
-          </ac:spMkLst>
-        </pc:spChg>
-        <pc:spChg chg="mod">
-          <ac:chgData name="Cynthia Enciso" userId="7915927f-c5cf-4e1f-876d-e79882ad52fa" providerId="ADAL" clId="{C3D73308-FFD7-45E1-81F5-A1260ECC4F06}" dt="2021-06-09T22:02:02.493" v="340" actId="1076"/>
-          <ac:spMkLst>
-            <pc:docMk/>
-            <pc:sldMk cId="3383632281" sldId="287"/>
-            <ac:spMk id="135" creationId="{9261B1F8-69FF-4DA5-BC97-418F24A21DD4}"/>
-          </ac:spMkLst>
-        </pc:spChg>
-        <pc:spChg chg="mod">
-          <ac:chgData name="Cynthia Enciso" userId="7915927f-c5cf-4e1f-876d-e79882ad52fa" providerId="ADAL" clId="{C3D73308-FFD7-45E1-81F5-A1260ECC4F06}" dt="2021-06-09T22:02:22.092" v="347" actId="1076"/>
-          <ac:spMkLst>
-            <pc:docMk/>
-            <pc:sldMk cId="3383632281" sldId="287"/>
-            <ac:spMk id="137" creationId="{78300C07-1F94-4AE5-9847-984EE9460710}"/>
-          </ac:spMkLst>
-        </pc:spChg>
-        <pc:spChg chg="add mod">
-          <ac:chgData name="Cynthia Enciso" userId="7915927f-c5cf-4e1f-876d-e79882ad52fa" providerId="ADAL" clId="{C3D73308-FFD7-45E1-81F5-A1260ECC4F06}" dt="2021-06-09T19:09:37.452" v="44" actId="571"/>
-          <ac:spMkLst>
-            <pc:docMk/>
-            <pc:sldMk cId="3383632281" sldId="287"/>
-            <ac:spMk id="139" creationId="{DD338A48-4F4B-43F3-8B45-2C3C234F43CC}"/>
-          </ac:spMkLst>
-        </pc:spChg>
-        <pc:spChg chg="add mod">
-          <ac:chgData name="Cynthia Enciso" userId="7915927f-c5cf-4e1f-876d-e79882ad52fa" providerId="ADAL" clId="{C3D73308-FFD7-45E1-81F5-A1260ECC4F06}" dt="2021-06-09T19:09:37.452" v="44" actId="571"/>
-          <ac:spMkLst>
-            <pc:docMk/>
-            <pc:sldMk cId="3383632281" sldId="287"/>
-            <ac:spMk id="140" creationId="{69E970E1-58F9-4A23-89AD-24C9F548ED8E}"/>
-          </ac:spMkLst>
-        </pc:spChg>
-        <pc:spChg chg="add mod">
-          <ac:chgData name="Cynthia Enciso" userId="7915927f-c5cf-4e1f-876d-e79882ad52fa" providerId="ADAL" clId="{C3D73308-FFD7-45E1-81F5-A1260ECC4F06}" dt="2021-06-09T22:02:17.781" v="345" actId="20577"/>
-          <ac:spMkLst>
-            <pc:docMk/>
-            <pc:sldMk cId="3383632281" sldId="287"/>
-            <ac:spMk id="141" creationId="{B10F42D0-6B85-4E43-85AC-3A145B08F3A0}"/>
-          </ac:spMkLst>
-        </pc:spChg>
-        <pc:spChg chg="add mod">
-          <ac:chgData name="Cynthia Enciso" userId="7915927f-c5cf-4e1f-876d-e79882ad52fa" providerId="ADAL" clId="{C3D73308-FFD7-45E1-81F5-A1260ECC4F06}" dt="2021-06-09T22:02:20.397" v="346" actId="1076"/>
-          <ac:spMkLst>
-            <pc:docMk/>
-            <pc:sldMk cId="3383632281" sldId="287"/>
-            <ac:spMk id="142" creationId="{130894A5-9186-4BB0-B1C1-18C0BFB3F578}"/>
-          </ac:spMkLst>
-        </pc:spChg>
-        <pc:cxnChg chg="add del mod">
-          <ac:chgData name="Cynthia Enciso" userId="7915927f-c5cf-4e1f-876d-e79882ad52fa" providerId="ADAL" clId="{C3D73308-FFD7-45E1-81F5-A1260ECC4F06}" dt="2021-06-09T19:11:52.370" v="180" actId="11529"/>
-          <ac:cxnSpMkLst>
-            <pc:docMk/>
-            <pc:sldMk cId="3383632281" sldId="287"/>
-            <ac:cxnSpMk id="55" creationId="{90460590-762E-4351-BB5E-0E365FE60029}"/>
-          </ac:cxnSpMkLst>
-        </pc:cxnChg>
-        <pc:cxnChg chg="add">
-          <ac:chgData name="Cynthia Enciso" userId="7915927f-c5cf-4e1f-876d-e79882ad52fa" providerId="ADAL" clId="{C3D73308-FFD7-45E1-81F5-A1260ECC4F06}" dt="2021-06-09T19:11:56.566" v="181" actId="11529"/>
-          <ac:cxnSpMkLst>
-            <pc:docMk/>
-            <pc:sldMk cId="3383632281" sldId="287"/>
-            <ac:cxnSpMk id="91" creationId="{CA0716C6-4B6A-4A57-8468-DAAA21DD7DCD}"/>
-          </ac:cxnSpMkLst>
-        </pc:cxnChg>
-      </pc:sldChg>
-      <pc:sldChg chg="modSp add mod">
-        <pc:chgData name="Cynthia Enciso" userId="7915927f-c5cf-4e1f-876d-e79882ad52fa" providerId="ADAL" clId="{C3D73308-FFD7-45E1-81F5-A1260ECC4F06}" dt="2021-06-09T22:00:48.085" v="339" actId="20577"/>
-        <pc:sldMkLst>
-          <pc:docMk/>
-          <pc:sldMk cId="505187759" sldId="291"/>
-        </pc:sldMkLst>
-        <pc:spChg chg="mod">
-          <ac:chgData name="Cynthia Enciso" userId="7915927f-c5cf-4e1f-876d-e79882ad52fa" providerId="ADAL" clId="{C3D73308-FFD7-45E1-81F5-A1260ECC4F06}" dt="2021-06-09T19:51:27.527" v="314" actId="1076"/>
-          <ac:spMkLst>
-            <pc:docMk/>
-            <pc:sldMk cId="505187759" sldId="291"/>
-            <ac:spMk id="3" creationId="{D069C4FA-EE11-4386-B33A-80667F137EA5}"/>
-          </ac:spMkLst>
-        </pc:spChg>
-        <pc:spChg chg="mod">
-          <ac:chgData name="Cynthia Enciso" userId="7915927f-c5cf-4e1f-876d-e79882ad52fa" providerId="ADAL" clId="{C3D73308-FFD7-45E1-81F5-A1260ECC4F06}" dt="2021-06-09T19:07:20.485" v="41" actId="20577"/>
-          <ac:spMkLst>
-            <pc:docMk/>
-            <pc:sldMk cId="505187759" sldId="291"/>
-            <ac:spMk id="12" creationId="{DAFD4DC9-E455-45A4-96A1-6710555C6BB7}"/>
-          </ac:spMkLst>
-        </pc:spChg>
-        <pc:spChg chg="mod">
-          <ac:chgData name="Cynthia Enciso" userId="7915927f-c5cf-4e1f-876d-e79882ad52fa" providerId="ADAL" clId="{C3D73308-FFD7-45E1-81F5-A1260ECC4F06}" dt="2021-06-09T22:00:48.085" v="339" actId="20577"/>
-          <ac:spMkLst>
-            <pc:docMk/>
-            <pc:sldMk cId="505187759" sldId="291"/>
-            <ac:spMk id="15" creationId="{9BBD0273-0D5C-4FF9-868F-82CEEAFB22B8}"/>
-          </ac:spMkLst>
-        </pc:spChg>
-      </pc:sldChg>
-      <pc:sldChg chg="modSp mod">
-        <pc:chgData name="Cynthia Enciso" userId="7915927f-c5cf-4e1f-876d-e79882ad52fa" providerId="ADAL" clId="{C3D73308-FFD7-45E1-81F5-A1260ECC4F06}" dt="2021-06-09T21:20:00.843" v="333" actId="20577"/>
-        <pc:sldMkLst>
-          <pc:docMk/>
-          <pc:sldMk cId="2717298435" sldId="330"/>
-        </pc:sldMkLst>
-        <pc:spChg chg="mod">
-          <ac:chgData name="Cynthia Enciso" userId="7915927f-c5cf-4e1f-876d-e79882ad52fa" providerId="ADAL" clId="{C3D73308-FFD7-45E1-81F5-A1260ECC4F06}" dt="2021-06-09T21:20:00.843" v="333" actId="20577"/>
-          <ac:spMkLst>
-            <pc:docMk/>
-            <pc:sldMk cId="2717298435" sldId="330"/>
-            <ac:spMk id="13" creationId="{E2065AD8-C4AA-4ECA-BAF4-B02E5863548D}"/>
-          </ac:spMkLst>
-        </pc:spChg>
-        <pc:spChg chg="mod">
-          <ac:chgData name="Cynthia Enciso" userId="7915927f-c5cf-4e1f-876d-e79882ad52fa" providerId="ADAL" clId="{C3D73308-FFD7-45E1-81F5-A1260ECC4F06}" dt="2021-06-09T21:19:56.428" v="323" actId="20577"/>
-          <ac:spMkLst>
-            <pc:docMk/>
-            <pc:sldMk cId="2717298435" sldId="330"/>
-            <ac:spMk id="16" creationId="{66A34F76-FB2B-438E-9B9C-70C73CCB7FB6}"/>
-          </ac:spMkLst>
-        </pc:spChg>
-      </pc:sldChg>
-      <pc:sldChg chg="modSp new mod">
-        <pc:chgData name="Cynthia Enciso" userId="7915927f-c5cf-4e1f-876d-e79882ad52fa" providerId="ADAL" clId="{C3D73308-FFD7-45E1-81F5-A1260ECC4F06}" dt="2021-06-09T19:05:20.970" v="39" actId="20577"/>
-        <pc:sldMkLst>
-          <pc:docMk/>
-          <pc:sldMk cId="2478938185" sldId="331"/>
-        </pc:sldMkLst>
-        <pc:spChg chg="mod">
-          <ac:chgData name="Cynthia Enciso" userId="7915927f-c5cf-4e1f-876d-e79882ad52fa" providerId="ADAL" clId="{C3D73308-FFD7-45E1-81F5-A1260ECC4F06}" dt="2021-06-09T19:05:04.058" v="5" actId="20577"/>
-          <ac:spMkLst>
-            <pc:docMk/>
-            <pc:sldMk cId="2478938185" sldId="331"/>
-            <ac:spMk id="2" creationId="{2E44175B-00B5-425E-B32A-F00EE1FAA8DB}"/>
-          </ac:spMkLst>
-        </pc:spChg>
-        <pc:spChg chg="mod">
-          <ac:chgData name="Cynthia Enciso" userId="7915927f-c5cf-4e1f-876d-e79882ad52fa" providerId="ADAL" clId="{C3D73308-FFD7-45E1-81F5-A1260ECC4F06}" dt="2021-06-09T19:05:20.970" v="39" actId="20577"/>
-          <ac:spMkLst>
-            <pc:docMk/>
-            <pc:sldMk cId="2478938185" sldId="331"/>
-            <ac:spMk id="3" creationId="{3F5DCA10-6620-4683-9249-D7B7CBA3CCEF}"/>
-          </ac:spMkLst>
-        </pc:spChg>
-      </pc:sldChg>
-      <pc:sldChg chg="modSp new mod ord">
-        <pc:chgData name="Cynthia Enciso" userId="7915927f-c5cf-4e1f-876d-e79882ad52fa" providerId="ADAL" clId="{C3D73308-FFD7-45E1-81F5-A1260ECC4F06}" dt="2021-06-09T19:27:53.349" v="310" actId="20577"/>
-        <pc:sldMkLst>
-          <pc:docMk/>
-          <pc:sldMk cId="2660441177" sldId="332"/>
-        </pc:sldMkLst>
-        <pc:spChg chg="mod">
-          <ac:chgData name="Cynthia Enciso" userId="7915927f-c5cf-4e1f-876d-e79882ad52fa" providerId="ADAL" clId="{C3D73308-FFD7-45E1-81F5-A1260ECC4F06}" dt="2021-06-09T19:27:17.956" v="189" actId="20577"/>
-          <ac:spMkLst>
-            <pc:docMk/>
-            <pc:sldMk cId="2660441177" sldId="332"/>
-            <ac:spMk id="2" creationId="{FEEC65E9-2BFF-42F0-816D-3D4A01280E7B}"/>
-          </ac:spMkLst>
-        </pc:spChg>
-        <pc:spChg chg="mod">
-          <ac:chgData name="Cynthia Enciso" userId="7915927f-c5cf-4e1f-876d-e79882ad52fa" providerId="ADAL" clId="{C3D73308-FFD7-45E1-81F5-A1260ECC4F06}" dt="2021-06-09T19:27:53.349" v="310" actId="20577"/>
-          <ac:spMkLst>
-            <pc:docMk/>
-            <pc:sldMk cId="2660441177" sldId="332"/>
-            <ac:spMk id="3" creationId="{08E2757C-4253-46FA-9DFD-5A1BE535ABEC}"/>
-          </ac:spMkLst>
-        </pc:spChg>
       </pc:sldChg>
     </pc:docChg>
   </pc:docChgLst>
@@ -28213,443 +28260,6 @@
               <a:t>9</a:t>
             </a:fld>
             <a:endParaRPr/>
-          </a:p>
-        </p:txBody>
-      </p:sp>
-      <p:sp>
-        <p:nvSpPr>
-          <p:cNvPr id="9" name="TextBox 8">
-            <a:extLst>
-              <a:ext uri="{FF2B5EF4-FFF2-40B4-BE49-F238E27FC236}">
-                <a16:creationId xmlns:a16="http://schemas.microsoft.com/office/drawing/2014/main" id="{964E597C-5357-42BA-84AC-E0F7574D1E9F}"/>
-              </a:ext>
-            </a:extLst>
-          </p:cNvPr>
-          <p:cNvSpPr txBox="1"/>
-          <p:nvPr/>
-        </p:nvSpPr>
-        <p:spPr>
-          <a:xfrm>
-            <a:off x="8763990" y="954731"/>
-            <a:ext cx="4572000" cy="5408981"/>
-          </a:xfrm>
-          <a:prstGeom prst="rect">
-            <a:avLst/>
-          </a:prstGeom>
-          <a:noFill/>
-        </p:spPr>
-        <p:txBody>
-          <a:bodyPr wrap="square">
-            <a:spAutoFit/>
-          </a:bodyPr>
-          <a:lstStyle/>
-          <a:p>
-            <a:pPr marL="342900" lvl="0" indent="-342900" algn="l" rtl="0">
-              <a:lnSpc>
-                <a:spcPct val="80000"/>
-              </a:lnSpc>
-              <a:spcBef>
-                <a:spcPts val="0"/>
-              </a:spcBef>
-              <a:spcAft>
-                <a:spcPts val="0"/>
-              </a:spcAft>
-              <a:buSzPts val="1750"/>
-              <a:buChar char="•"/>
-            </a:pPr>
-            <a:r>
-              <a:rPr lang="en-US" sz="1750" dirty="0"/>
-              <a:t>static methods can only call other static methods.</a:t>
-            </a:r>
-            <a:endParaRPr lang="en-US" dirty="0"/>
-          </a:p>
-          <a:p>
-            <a:pPr marL="342900" lvl="0" indent="-342900" algn="l" rtl="0">
-              <a:lnSpc>
-                <a:spcPct val="80000"/>
-              </a:lnSpc>
-              <a:spcBef>
-                <a:spcPts val="350"/>
-              </a:spcBef>
-              <a:spcAft>
-                <a:spcPts val="0"/>
-              </a:spcAft>
-              <a:buSzPts val="1750"/>
-              <a:buChar char="•"/>
-            </a:pPr>
-            <a:r>
-              <a:rPr lang="en-US" sz="1750" dirty="0"/>
-              <a:t>This is why…</a:t>
-            </a:r>
-            <a:endParaRPr lang="en-US" dirty="0"/>
-          </a:p>
-          <a:p>
-            <a:pPr marL="0" lvl="0" indent="0" algn="l" rtl="0">
-              <a:lnSpc>
-                <a:spcPct val="80000"/>
-              </a:lnSpc>
-              <a:spcBef>
-                <a:spcPts val="350"/>
-              </a:spcBef>
-              <a:spcAft>
-                <a:spcPts val="0"/>
-              </a:spcAft>
-              <a:buSzPts val="1750"/>
-              <a:buNone/>
-            </a:pPr>
-            <a:endParaRPr lang="en-US" sz="1750" dirty="0"/>
-          </a:p>
-          <a:p>
-            <a:pPr marL="742950" lvl="1" indent="-285750" algn="l" rtl="0">
-              <a:lnSpc>
-                <a:spcPct val="80000"/>
-              </a:lnSpc>
-              <a:spcBef>
-                <a:spcPts val="325"/>
-              </a:spcBef>
-              <a:spcAft>
-                <a:spcPts val="0"/>
-              </a:spcAft>
-              <a:buSzPts val="1625"/>
-              <a:buChar char="–"/>
-            </a:pPr>
-            <a:r>
-              <a:rPr lang="en-US" sz="1625" dirty="0">
-                <a:latin typeface="Courier New"/>
-                <a:ea typeface="Courier New"/>
-                <a:cs typeface="Courier New"/>
-                <a:sym typeface="Courier New"/>
-              </a:rPr>
-              <a:t>public class Example {</a:t>
-            </a:r>
-            <a:br>
-              <a:rPr lang="en-US" sz="1625" dirty="0">
-                <a:latin typeface="Courier New"/>
-                <a:ea typeface="Courier New"/>
-                <a:cs typeface="Courier New"/>
-                <a:sym typeface="Courier New"/>
-              </a:rPr>
-            </a:br>
-            <a:r>
-              <a:rPr lang="en-US" sz="1625" dirty="0">
-                <a:latin typeface="Courier New"/>
-                <a:ea typeface="Courier New"/>
-                <a:cs typeface="Courier New"/>
-                <a:sym typeface="Courier New"/>
-              </a:rPr>
-              <a:t>    public static void main(String[] args) {</a:t>
-            </a:r>
-            <a:br>
-              <a:rPr lang="en-US" sz="1625" dirty="0">
-                <a:latin typeface="Courier New"/>
-                <a:ea typeface="Courier New"/>
-                <a:cs typeface="Courier New"/>
-                <a:sym typeface="Courier New"/>
-              </a:rPr>
-            </a:br>
-            <a:r>
-              <a:rPr lang="en-US" sz="1625" dirty="0">
-                <a:latin typeface="Courier New"/>
-                <a:ea typeface="Courier New"/>
-                <a:cs typeface="Courier New"/>
-                <a:sym typeface="Courier New"/>
-              </a:rPr>
-              <a:t>        </a:t>
-            </a:r>
-            <a:r>
-              <a:rPr lang="en-US" sz="1625" dirty="0" err="1">
-                <a:latin typeface="Courier New"/>
-                <a:ea typeface="Courier New"/>
-                <a:cs typeface="Courier New"/>
-                <a:sym typeface="Courier New"/>
-              </a:rPr>
-              <a:t>doAThing</a:t>
-            </a:r>
-            <a:r>
-              <a:rPr lang="en-US" sz="1625" dirty="0">
-                <a:latin typeface="Courier New"/>
-                <a:ea typeface="Courier New"/>
-                <a:cs typeface="Courier New"/>
-                <a:sym typeface="Courier New"/>
-              </a:rPr>
-              <a:t>();</a:t>
-            </a:r>
-            <a:br>
-              <a:rPr lang="en-US" sz="1625" dirty="0">
-                <a:latin typeface="Courier New"/>
-                <a:ea typeface="Courier New"/>
-                <a:cs typeface="Courier New"/>
-                <a:sym typeface="Courier New"/>
-              </a:rPr>
-            </a:br>
-            <a:r>
-              <a:rPr lang="en-US" sz="1625" dirty="0">
-                <a:latin typeface="Courier New"/>
-                <a:ea typeface="Courier New"/>
-                <a:cs typeface="Courier New"/>
-                <a:sym typeface="Courier New"/>
-              </a:rPr>
-              <a:t>    }</a:t>
-            </a:r>
-            <a:br>
-              <a:rPr lang="en-US" sz="1625" dirty="0">
-                <a:latin typeface="Courier New"/>
-                <a:ea typeface="Courier New"/>
-                <a:cs typeface="Courier New"/>
-                <a:sym typeface="Courier New"/>
-              </a:rPr>
-            </a:br>
-            <a:r>
-              <a:rPr lang="en-US" sz="1625" dirty="0">
-                <a:latin typeface="Courier New"/>
-                <a:ea typeface="Courier New"/>
-                <a:cs typeface="Courier New"/>
-                <a:sym typeface="Courier New"/>
-              </a:rPr>
-              <a:t>    public void </a:t>
-            </a:r>
-            <a:r>
-              <a:rPr lang="en-US" sz="1625" dirty="0" err="1">
-                <a:latin typeface="Courier New"/>
-                <a:ea typeface="Courier New"/>
-                <a:cs typeface="Courier New"/>
-                <a:sym typeface="Courier New"/>
-              </a:rPr>
-              <a:t>doAThing</a:t>
-            </a:r>
-            <a:r>
-              <a:rPr lang="en-US" sz="1625" dirty="0">
-                <a:latin typeface="Courier New"/>
-                <a:ea typeface="Courier New"/>
-                <a:cs typeface="Courier New"/>
-                <a:sym typeface="Courier New"/>
-              </a:rPr>
-              <a:t>() { }</a:t>
-            </a:r>
-            <a:br>
-              <a:rPr lang="en-US" sz="1625" dirty="0">
-                <a:latin typeface="Courier New"/>
-                <a:ea typeface="Courier New"/>
-                <a:cs typeface="Courier New"/>
-                <a:sym typeface="Courier New"/>
-              </a:rPr>
-            </a:br>
-            <a:r>
-              <a:rPr lang="en-US" sz="1625" dirty="0">
-                <a:latin typeface="Courier New"/>
-                <a:ea typeface="Courier New"/>
-                <a:cs typeface="Courier New"/>
-                <a:sym typeface="Courier New"/>
-              </a:rPr>
-              <a:t>}</a:t>
-            </a:r>
-            <a:endParaRPr lang="en-US" dirty="0"/>
-          </a:p>
-          <a:p>
-            <a:pPr marL="342900" lvl="1" indent="0" algn="l" rtl="0">
-              <a:lnSpc>
-                <a:spcPct val="80000"/>
-              </a:lnSpc>
-              <a:spcBef>
-                <a:spcPts val="300"/>
-              </a:spcBef>
-              <a:spcAft>
-                <a:spcPts val="0"/>
-              </a:spcAft>
-              <a:buSzPts val="1500"/>
-              <a:buNone/>
-            </a:pPr>
-            <a:br>
-              <a:rPr lang="en-US" sz="1500" dirty="0"/>
-            </a:br>
-            <a:r>
-              <a:rPr lang="en-US" sz="1500" dirty="0"/>
-              <a:t>…always fails. </a:t>
-            </a:r>
-            <a:r>
-              <a:rPr lang="en-US" sz="1500" dirty="0" err="1">
-                <a:latin typeface="Courier New"/>
-                <a:ea typeface="Courier New"/>
-                <a:cs typeface="Courier New"/>
-                <a:sym typeface="Courier New"/>
-              </a:rPr>
-              <a:t>doAThing</a:t>
-            </a:r>
-            <a:r>
-              <a:rPr lang="en-US" sz="1500" dirty="0">
-                <a:latin typeface="Courier New"/>
-                <a:ea typeface="Courier New"/>
-                <a:cs typeface="Courier New"/>
-                <a:sym typeface="Courier New"/>
-              </a:rPr>
-              <a:t>() </a:t>
-            </a:r>
-            <a:r>
-              <a:rPr lang="en-US" sz="1500" dirty="0"/>
-              <a:t>isn’t </a:t>
-            </a:r>
-            <a:r>
-              <a:rPr lang="en-US" sz="1500" dirty="0">
-                <a:latin typeface="Courier New"/>
-                <a:ea typeface="Courier New"/>
-                <a:cs typeface="Courier New"/>
-                <a:sym typeface="Courier New"/>
-              </a:rPr>
-              <a:t>static</a:t>
-            </a:r>
-            <a:r>
-              <a:rPr lang="en-US" sz="1500" dirty="0"/>
-              <a:t>, so it can’t be called directly from inside a static method.</a:t>
-            </a:r>
-            <a:endParaRPr lang="en-US" dirty="0"/>
-          </a:p>
-          <a:p>
-            <a:pPr marL="342900" lvl="0" indent="-342900" algn="l" rtl="0">
-              <a:lnSpc>
-                <a:spcPct val="80000"/>
-              </a:lnSpc>
-              <a:spcBef>
-                <a:spcPts val="350"/>
-              </a:spcBef>
-              <a:spcAft>
-                <a:spcPts val="0"/>
-              </a:spcAft>
-              <a:buSzPts val="1750"/>
-              <a:buChar char="•"/>
-            </a:pPr>
-            <a:r>
-              <a:rPr lang="en-US" sz="1750" dirty="0"/>
-              <a:t>Instead…</a:t>
-            </a:r>
-            <a:endParaRPr lang="en-US" dirty="0"/>
-          </a:p>
-          <a:p>
-            <a:pPr marL="0" lvl="0" indent="0" algn="l" rtl="0">
-              <a:lnSpc>
-                <a:spcPct val="80000"/>
-              </a:lnSpc>
-              <a:spcBef>
-                <a:spcPts val="350"/>
-              </a:spcBef>
-              <a:spcAft>
-                <a:spcPts val="0"/>
-              </a:spcAft>
-              <a:buSzPts val="1750"/>
-              <a:buNone/>
-            </a:pPr>
-            <a:endParaRPr lang="en-US" sz="1750" dirty="0"/>
-          </a:p>
-          <a:p>
-            <a:pPr marL="742950" lvl="1" indent="-285750" algn="l" rtl="0">
-              <a:lnSpc>
-                <a:spcPct val="80000"/>
-              </a:lnSpc>
-              <a:spcBef>
-                <a:spcPts val="362"/>
-              </a:spcBef>
-              <a:spcAft>
-                <a:spcPts val="0"/>
-              </a:spcAft>
-              <a:buSzPts val="1812"/>
-              <a:buChar char="–"/>
-            </a:pPr>
-            <a:r>
-              <a:rPr lang="en-US" sz="1812" dirty="0">
-                <a:latin typeface="Courier New"/>
-                <a:ea typeface="Courier New"/>
-                <a:cs typeface="Courier New"/>
-                <a:sym typeface="Courier New"/>
-              </a:rPr>
-              <a:t>public static void main(String[] args) {</a:t>
-            </a:r>
-            <a:br>
-              <a:rPr lang="en-US" sz="1812" dirty="0">
-                <a:latin typeface="Courier New"/>
-                <a:ea typeface="Courier New"/>
-                <a:cs typeface="Courier New"/>
-                <a:sym typeface="Courier New"/>
-              </a:rPr>
-            </a:br>
-            <a:r>
-              <a:rPr lang="en-US" sz="1812" dirty="0">
-                <a:latin typeface="Courier New"/>
-                <a:ea typeface="Courier New"/>
-                <a:cs typeface="Courier New"/>
-                <a:sym typeface="Courier New"/>
-              </a:rPr>
-              <a:t>    Example </a:t>
-            </a:r>
-            <a:r>
-              <a:rPr lang="en-US" sz="1812" dirty="0" err="1">
-                <a:latin typeface="Courier New"/>
-                <a:ea typeface="Courier New"/>
-                <a:cs typeface="Courier New"/>
-                <a:sym typeface="Courier New"/>
-              </a:rPr>
-              <a:t>myEx</a:t>
-            </a:r>
-            <a:r>
-              <a:rPr lang="en-US" sz="1812" dirty="0">
-                <a:latin typeface="Courier New"/>
-                <a:ea typeface="Courier New"/>
-                <a:cs typeface="Courier New"/>
-                <a:sym typeface="Courier New"/>
-              </a:rPr>
-              <a:t> = new Example();</a:t>
-            </a:r>
-            <a:br>
-              <a:rPr lang="en-US" sz="1812" dirty="0">
-                <a:latin typeface="Courier New"/>
-                <a:ea typeface="Courier New"/>
-                <a:cs typeface="Courier New"/>
-                <a:sym typeface="Courier New"/>
-              </a:rPr>
-            </a:br>
-            <a:r>
-              <a:rPr lang="en-US" sz="1812" dirty="0">
-                <a:latin typeface="Courier New"/>
-                <a:ea typeface="Courier New"/>
-                <a:cs typeface="Courier New"/>
-                <a:sym typeface="Courier New"/>
-              </a:rPr>
-              <a:t>    </a:t>
-            </a:r>
-            <a:r>
-              <a:rPr lang="en-US" sz="1812" dirty="0" err="1">
-                <a:latin typeface="Courier New"/>
-                <a:ea typeface="Courier New"/>
-                <a:cs typeface="Courier New"/>
-                <a:sym typeface="Courier New"/>
-              </a:rPr>
-              <a:t>myEx.doAThing</a:t>
-            </a:r>
-            <a:r>
-              <a:rPr lang="en-US" sz="1812" dirty="0">
-                <a:latin typeface="Courier New"/>
-                <a:ea typeface="Courier New"/>
-                <a:cs typeface="Courier New"/>
-                <a:sym typeface="Courier New"/>
-              </a:rPr>
-              <a:t>();</a:t>
-            </a:r>
-            <a:br>
-              <a:rPr lang="en-US" sz="1812" dirty="0">
-                <a:latin typeface="Courier New"/>
-                <a:ea typeface="Courier New"/>
-                <a:cs typeface="Courier New"/>
-                <a:sym typeface="Courier New"/>
-              </a:rPr>
-            </a:br>
-            <a:r>
-              <a:rPr lang="en-US" sz="1812" dirty="0">
-                <a:latin typeface="Courier New"/>
-                <a:ea typeface="Courier New"/>
-                <a:cs typeface="Courier New"/>
-                <a:sym typeface="Courier New"/>
-              </a:rPr>
-              <a:t>}</a:t>
-            </a:r>
-            <a:endParaRPr lang="en-US" sz="1812" dirty="0"/>
           </a:p>
         </p:txBody>
       </p:sp>
@@ -32646,7 +32256,7 @@
         </p:nvSpPr>
         <p:spPr>
           <a:xfrm>
-            <a:off x="380010" y="1116321"/>
+            <a:off x="413504" y="1325662"/>
             <a:ext cx="8383980" cy="4525963"/>
           </a:xfrm>
         </p:spPr>
@@ -32798,7 +32408,7 @@
         </p:nvSpPr>
         <p:spPr>
           <a:xfrm>
-            <a:off x="1831853" y="1619707"/>
+            <a:off x="1865348" y="1770432"/>
             <a:ext cx="4850374" cy="1651813"/>
           </a:xfrm>
           <a:prstGeom prst="rect">
@@ -37204,7 +36814,7 @@
         </p:spPr>
         <p:txBody>
           <a:bodyPr>
-            <a:normAutofit/>
+            <a:normAutofit lnSpcReduction="10000"/>
           </a:bodyPr>
           <a:lstStyle/>
           <a:p>
@@ -37221,15 +36831,15 @@
             </a:r>
             <a:r>
               <a:rPr lang="en-US" b="1" dirty="0">
-                <a:latin typeface="Courier New" panose="02070309020205020404" pitchFamily="49" charset="0"/>
-                <a:cs typeface="Courier New" panose="02070309020205020404" pitchFamily="49" charset="0"/>
+                <a:latin typeface="Courier New"/>
+                <a:cs typeface="Courier New"/>
               </a:rPr>
-              <a:t>Enter/Return    </a:t>
+              <a:t>Enter/Return    </a:t>
             </a:r>
             <a:r>
               <a:rPr lang="en-US" dirty="0">
-                <a:latin typeface="Courier New" panose="02070309020205020404" pitchFamily="49" charset="0"/>
-                <a:cs typeface="Courier New" panose="02070309020205020404" pitchFamily="49" charset="0"/>
+                <a:latin typeface="Courier New"/>
+                <a:cs typeface="Courier New"/>
               </a:rPr>
               <a:t>, </a:t>
             </a:r>
@@ -37242,15 +36852,15 @@
             <a:pPr lvl="1"/>
             <a:r>
               <a:rPr lang="en-US" dirty="0"/>
-              <a:t>When creating a scanner object, the constructor needs to take in </a:t>
+              <a:t>When creating a scanner object, you can supply a source location in which the scanner will read data. For the purposes of our projects, you will use </a:t>
             </a:r>
             <a:r>
               <a:rPr lang="en-US" b="1" dirty="0"/>
-              <a:t>System.in </a:t>
+              <a:t>System.in</a:t>
             </a:r>
             <a:r>
               <a:rPr lang="en-US" dirty="0"/>
-              <a:t>as its argument</a:t>
+              <a:t> as its argument.</a:t>
             </a:r>
           </a:p>
           <a:p>
@@ -37720,28 +37330,47 @@
             <p:ph type="body" idx="1"/>
           </p:nvPr>
         </p:nvSpPr>
-        <p:spPr/>
+        <p:spPr>
+          <a:xfrm>
+            <a:off x="380010" y="1120846"/>
+            <a:ext cx="8383980" cy="4886563"/>
+          </a:xfrm>
+        </p:spPr>
         <p:txBody>
           <a:bodyPr/>
           <a:lstStyle/>
           <a:p>
             <a:r>
               <a:rPr lang="en-US" dirty="0"/>
-              <a:t>There are 2 steps when using Scanner</a:t>
+              <a:t>There are 4 steps when using Scanner</a:t>
             </a:r>
           </a:p>
           <a:p>
             <a:pPr lvl="1"/>
             <a:r>
               <a:rPr lang="en-US" dirty="0"/>
-              <a:t>1. create a scanner object</a:t>
+              <a:t>1. import Scanner class </a:t>
             </a:r>
           </a:p>
           <a:p>
             <a:pPr lvl="1"/>
             <a:r>
               <a:rPr lang="en-US" dirty="0"/>
-              <a:t>2. wait for user input and save into variable</a:t>
+              <a:t>2. create a scanner object</a:t>
+            </a:r>
+          </a:p>
+          <a:p>
+            <a:pPr lvl="1"/>
+            <a:r>
+              <a:rPr lang="en-US" dirty="0"/>
+              <a:t>3. wait for user input and save into variable</a:t>
+            </a:r>
+          </a:p>
+          <a:p>
+            <a:pPr lvl="1"/>
+            <a:r>
+              <a:rPr lang="en-US" dirty="0"/>
+              <a:t>4. close the object at the end of the program</a:t>
             </a:r>
           </a:p>
           <a:p>
@@ -37804,8 +37433,8 @@
         </p:nvSpPr>
         <p:spPr>
           <a:xfrm>
-            <a:off x="472978" y="4331916"/>
-            <a:ext cx="3955774" cy="1020309"/>
+            <a:off x="472978" y="4250532"/>
+            <a:ext cx="3955774" cy="1101694"/>
           </a:xfrm>
           <a:prstGeom prst="rect">
             <a:avLst/>
@@ -37845,16 +37474,23 @@
             </a:r>
           </a:p>
           <a:p>
-            <a:endParaRPr lang="en-US" b="1" dirty="0"/>
+            <a:r>
+              <a:rPr lang="en-US" b="1" dirty="0"/>
+              <a:t>int number = </a:t>
+            </a:r>
+            <a:r>
+              <a:rPr lang="en-US" b="1" dirty="0" err="1"/>
+              <a:t>scanner.nextInt</a:t>
+            </a:r>
+            <a:r>
+              <a:rPr lang="en-US" b="1" dirty="0"/>
+              <a:t>();</a:t>
+            </a:r>
           </a:p>
           <a:p>
             <a:r>
-              <a:rPr lang="en-US" b="1" dirty="0"/>
-              <a:t>String number = </a:t>
-            </a:r>
-            <a:r>
               <a:rPr lang="en-US" b="1" dirty="0" err="1"/>
-              <a:t>scanner.nextInt</a:t>
+              <a:t>scanner.close</a:t>
             </a:r>
             <a:r>
               <a:rPr lang="en-US" b="1" dirty="0"/>
@@ -37878,7 +37514,7 @@
         <p:spPr>
           <a:xfrm>
             <a:off x="459521" y="5708528"/>
-            <a:ext cx="3955774" cy="1020309"/>
+            <a:ext cx="3955774" cy="1101694"/>
           </a:xfrm>
           <a:prstGeom prst="rect">
             <a:avLst/>
@@ -37918,21 +37554,31 @@
             </a:r>
           </a:p>
           <a:p>
-            <a:endParaRPr lang="en-US" b="1" dirty="0"/>
+            <a:r>
+              <a:rPr lang="en-US" b="1" dirty="0"/>
+              <a:t>String word = </a:t>
+            </a:r>
+            <a:r>
+              <a:rPr lang="en-US" b="1" dirty="0" err="1"/>
+              <a:t>scanner.next</a:t>
+            </a:r>
+            <a:r>
+              <a:rPr lang="en-US" b="1" dirty="0"/>
+              <a:t>();</a:t>
+            </a:r>
           </a:p>
           <a:p>
             <a:r>
-              <a:rPr lang="en-US" b="1" dirty="0"/>
-              <a:t>String word = </a:t>
-            </a:r>
-            <a:r>
               <a:rPr lang="en-US" b="1" dirty="0" err="1"/>
-              <a:t>scanner.next</a:t>
+              <a:t>scanner.close</a:t>
             </a:r>
             <a:r>
               <a:rPr lang="en-US" b="1" dirty="0"/>
               <a:t>();</a:t>
             </a:r>
+          </a:p>
+          <a:p>
+            <a:endParaRPr lang="en-US" b="1" dirty="0"/>
           </a:p>
         </p:txBody>
       </p:sp>
@@ -38030,7 +37676,7 @@
           <a:p>
             <a:r>
               <a:rPr lang="en-US" b="1" dirty="0"/>
-              <a:t>For (String word : words) {</a:t>
+              <a:t>for (String word : words) {</a:t>
             </a:r>
           </a:p>
           <a:p>
@@ -38047,6 +37693,19 @@
             <a:r>
               <a:rPr lang="en-US" b="1" dirty="0"/>
               <a:t>}</a:t>
+            </a:r>
+          </a:p>
+          <a:p>
+            <a:endParaRPr lang="en-US" b="1" dirty="0"/>
+          </a:p>
+          <a:p>
+            <a:r>
+              <a:rPr lang="en-US" b="1" dirty="0" err="1"/>
+              <a:t>scanner.close</a:t>
+            </a:r>
+            <a:r>
+              <a:rPr lang="en-US" b="1" dirty="0"/>
+              <a:t>();</a:t>
             </a:r>
           </a:p>
         </p:txBody>
@@ -38532,12 +38191,6 @@
           <a:p>
             <a:r>
               <a:rPr lang="en-US" dirty="0"/>
-              <a:t>How do I call a static method?</a:t>
-            </a:r>
-          </a:p>
-          <a:p>
-            <a:r>
-              <a:rPr lang="en-US" dirty="0"/>
               <a:t>What is the </a:t>
             </a:r>
             <a:r>
@@ -38577,130 +38230,6 @@
 </file>
 
 <file path=ppt/slides/slide25.xml><?xml version="1.0" encoding="utf-8"?>
-<p:sld xmlns:a="http://schemas.openxmlformats.org/drawingml/2006/main" xmlns:r="http://schemas.openxmlformats.org/officeDocument/2006/relationships" xmlns:p="http://schemas.openxmlformats.org/presentationml/2006/main">
-  <p:cSld>
-    <p:spTree>
-      <p:nvGrpSpPr>
-        <p:cNvPr id="1" name=""/>
-        <p:cNvGrpSpPr/>
-        <p:nvPr/>
-      </p:nvGrpSpPr>
-      <p:grpSpPr>
-        <a:xfrm>
-          <a:off x="0" y="0"/>
-          <a:ext cx="0" cy="0"/>
-          <a:chOff x="0" y="0"/>
-          <a:chExt cx="0" cy="0"/>
-        </a:xfrm>
-      </p:grpSpPr>
-      <p:sp>
-        <p:nvSpPr>
-          <p:cNvPr id="2" name="Slide Number Placeholder 1">
-            <a:extLst>
-              <a:ext uri="{FF2B5EF4-FFF2-40B4-BE49-F238E27FC236}">
-                <a16:creationId xmlns:a16="http://schemas.microsoft.com/office/drawing/2014/main" id="{6D88661C-069E-4BFC-9551-2ACC17056E15}"/>
-              </a:ext>
-            </a:extLst>
-          </p:cNvPr>
-          <p:cNvSpPr>
-            <a:spLocks noGrp="1"/>
-          </p:cNvSpPr>
-          <p:nvPr>
-            <p:ph type="sldNum" idx="12"/>
-          </p:nvPr>
-        </p:nvSpPr>
-        <p:spPr/>
-        <p:txBody>
-          <a:bodyPr/>
-          <a:lstStyle/>
-          <a:p>
-            <a:pPr marL="0" lvl="0" indent="0" algn="r" rtl="0">
-              <a:spcBef>
-                <a:spcPts val="0"/>
-              </a:spcBef>
-              <a:spcAft>
-                <a:spcPts val="0"/>
-              </a:spcAft>
-              <a:buNone/>
-            </a:pPr>
-            <a:fld id="{00000000-1234-1234-1234-123412341234}" type="slidenum">
-              <a:rPr lang="en-US" smtClean="0"/>
-              <a:t>24</a:t>
-            </a:fld>
-            <a:endParaRPr lang="en-US"/>
-          </a:p>
-        </p:txBody>
-      </p:sp>
-      <p:sp>
-        <p:nvSpPr>
-          <p:cNvPr id="3" name="Title 2">
-            <a:extLst>
-              <a:ext uri="{FF2B5EF4-FFF2-40B4-BE49-F238E27FC236}">
-                <a16:creationId xmlns:a16="http://schemas.microsoft.com/office/drawing/2014/main" id="{C875652D-A2B4-4005-9C01-6963395FAEA5}"/>
-              </a:ext>
-            </a:extLst>
-          </p:cNvPr>
-          <p:cNvSpPr>
-            <a:spLocks noGrp="1"/>
-          </p:cNvSpPr>
-          <p:nvPr>
-            <p:ph type="title"/>
-          </p:nvPr>
-        </p:nvSpPr>
-        <p:spPr/>
-        <p:txBody>
-          <a:bodyPr/>
-          <a:lstStyle/>
-          <a:p>
-            <a:r>
-              <a:rPr lang="en-US" dirty="0"/>
-              <a:t>Outro</a:t>
-            </a:r>
-          </a:p>
-        </p:txBody>
-      </p:sp>
-      <p:sp>
-        <p:nvSpPr>
-          <p:cNvPr id="4" name="Text Placeholder 3">
-            <a:extLst>
-              <a:ext uri="{FF2B5EF4-FFF2-40B4-BE49-F238E27FC236}">
-                <a16:creationId xmlns:a16="http://schemas.microsoft.com/office/drawing/2014/main" id="{D87DBDC4-C5D0-41BA-B4F7-4EDAFE6D085A}"/>
-              </a:ext>
-            </a:extLst>
-          </p:cNvPr>
-          <p:cNvSpPr>
-            <a:spLocks noGrp="1"/>
-          </p:cNvSpPr>
-          <p:nvPr>
-            <p:ph type="body" idx="1"/>
-          </p:nvPr>
-        </p:nvSpPr>
-        <p:spPr/>
-        <p:txBody>
-          <a:bodyPr/>
-          <a:lstStyle/>
-          <a:p>
-            <a:r>
-              <a:rPr lang="en-US" dirty="0"/>
-              <a:t>If time, demystify main method completely</a:t>
-            </a:r>
-          </a:p>
-        </p:txBody>
-      </p:sp>
-    </p:spTree>
-    <p:extLst>
-      <p:ext uri="{BB962C8B-B14F-4D97-AF65-F5344CB8AC3E}">
-        <p14:creationId xmlns:p14="http://schemas.microsoft.com/office/powerpoint/2010/main" val="1371311991"/>
-      </p:ext>
-    </p:extLst>
-  </p:cSld>
-  <p:clrMapOvr>
-    <a:masterClrMapping/>
-  </p:clrMapOvr>
-</p:sld>
-</file>
-
-<file path=ppt/slides/slide26.xml><?xml version="1.0" encoding="utf-8"?>
 <p:sld xmlns:a="http://schemas.openxmlformats.org/drawingml/2006/main" xmlns:r="http://schemas.openxmlformats.org/officeDocument/2006/relationships" xmlns:p="http://schemas.openxmlformats.org/presentationml/2006/main">
   <p:cSld>
     <p:spTree>
@@ -38757,7 +38286,7 @@
             </a:pPr>
             <a:fld id="{00000000-1234-1234-1234-123412341234}" type="slidenum">
               <a:rPr lang="en-US"/>
-              <a:t>25</a:t>
+              <a:t>24</a:t>
             </a:fld>
             <a:endParaRPr/>
           </a:p>

--- a/revised-ppts/Day 11 PPT.pptx
+++ b/revised-ppts/Day 11 PPT.pptx
@@ -39505,14 +39505,14 @@
             <a:pPr lvl="1"/>
             <a:r>
               <a:rPr lang="en-US" dirty="0"/>
-              <a:t>Variables</a:t>
+              <a:t>Variables / fields  (properties / states)</a:t>
             </a:r>
           </a:p>
           <a:p>
             <a:pPr lvl="1"/>
             <a:r>
               <a:rPr lang="en-US" dirty="0"/>
-              <a:t>Methods</a:t>
+              <a:t>Methods / (behaviors)</a:t>
             </a:r>
           </a:p>
           <a:p>
